--- a/HW2.pptx
+++ b/HW2.pptx
@@ -297,7 +297,7 @@
           <a:p>
             <a:fld id="{FBC4A1A7-476F-4A06-95B2-2BE72D9A0C6B}" type="datetimeFigureOut">
               <a:rPr lang="zh-TW" altLang="en-US" smtClean="0"/>
-              <a:t>2019/12/2</a:t>
+              <a:t>2019/12/3</a:t>
             </a:fld>
             <a:endParaRPr lang="zh-TW" altLang="en-US"/>
           </a:p>
@@ -609,7 +609,7 @@
           <a:p>
             <a:fld id="{FBC4A1A7-476F-4A06-95B2-2BE72D9A0C6B}" type="datetimeFigureOut">
               <a:rPr lang="zh-TW" altLang="en-US" smtClean="0"/>
-              <a:t>2019/12/2</a:t>
+              <a:t>2019/12/3</a:t>
             </a:fld>
             <a:endParaRPr lang="zh-TW" altLang="en-US"/>
           </a:p>
@@ -831,7 +831,7 @@
           <a:p>
             <a:fld id="{FBC4A1A7-476F-4A06-95B2-2BE72D9A0C6B}" type="datetimeFigureOut">
               <a:rPr lang="zh-TW" altLang="en-US" smtClean="0"/>
-              <a:t>2019/12/2</a:t>
+              <a:t>2019/12/3</a:t>
             </a:fld>
             <a:endParaRPr lang="zh-TW" altLang="en-US"/>
           </a:p>
@@ -1122,7 +1122,7 @@
           <a:p>
             <a:fld id="{FBC4A1A7-476F-4A06-95B2-2BE72D9A0C6B}" type="datetimeFigureOut">
               <a:rPr lang="zh-TW" altLang="en-US" smtClean="0"/>
-              <a:t>2019/12/2</a:t>
+              <a:t>2019/12/3</a:t>
             </a:fld>
             <a:endParaRPr lang="zh-TW" altLang="en-US"/>
           </a:p>
@@ -1576,7 +1576,7 @@
           <a:p>
             <a:fld id="{FBC4A1A7-476F-4A06-95B2-2BE72D9A0C6B}" type="datetimeFigureOut">
               <a:rPr lang="zh-TW" altLang="en-US" smtClean="0"/>
-              <a:t>2019/12/2</a:t>
+              <a:t>2019/12/3</a:t>
             </a:fld>
             <a:endParaRPr lang="zh-TW" altLang="en-US"/>
           </a:p>
@@ -2152,7 +2152,7 @@
           <a:p>
             <a:fld id="{FBC4A1A7-476F-4A06-95B2-2BE72D9A0C6B}" type="datetimeFigureOut">
               <a:rPr lang="zh-TW" altLang="en-US" smtClean="0"/>
-              <a:t>2019/12/2</a:t>
+              <a:t>2019/12/3</a:t>
             </a:fld>
             <a:endParaRPr lang="zh-TW" altLang="en-US"/>
           </a:p>
@@ -3004,7 +3004,7 @@
           <a:p>
             <a:fld id="{FBC4A1A7-476F-4A06-95B2-2BE72D9A0C6B}" type="datetimeFigureOut">
               <a:rPr lang="zh-TW" altLang="en-US" smtClean="0"/>
-              <a:t>2019/12/2</a:t>
+              <a:t>2019/12/3</a:t>
             </a:fld>
             <a:endParaRPr lang="zh-TW" altLang="en-US"/>
           </a:p>
@@ -3209,7 +3209,7 @@
           <a:p>
             <a:fld id="{FBC4A1A7-476F-4A06-95B2-2BE72D9A0C6B}" type="datetimeFigureOut">
               <a:rPr lang="zh-TW" altLang="en-US" smtClean="0"/>
-              <a:t>2019/12/2</a:t>
+              <a:t>2019/12/3</a:t>
             </a:fld>
             <a:endParaRPr lang="zh-TW" altLang="en-US"/>
           </a:p>
@@ -3423,7 +3423,7 @@
           <a:p>
             <a:fld id="{FBC4A1A7-476F-4A06-95B2-2BE72D9A0C6B}" type="datetimeFigureOut">
               <a:rPr lang="zh-TW" altLang="en-US" smtClean="0"/>
-              <a:t>2019/12/2</a:t>
+              <a:t>2019/12/3</a:t>
             </a:fld>
             <a:endParaRPr lang="zh-TW" altLang="en-US"/>
           </a:p>
@@ -3628,7 +3628,7 @@
           <a:p>
             <a:fld id="{FBC4A1A7-476F-4A06-95B2-2BE72D9A0C6B}" type="datetimeFigureOut">
               <a:rPr lang="zh-TW" altLang="en-US" smtClean="0"/>
-              <a:t>2019/12/2</a:t>
+              <a:t>2019/12/3</a:t>
             </a:fld>
             <a:endParaRPr lang="zh-TW" altLang="en-US"/>
           </a:p>
@@ -3908,7 +3908,7 @@
           <a:p>
             <a:fld id="{FBC4A1A7-476F-4A06-95B2-2BE72D9A0C6B}" type="datetimeFigureOut">
               <a:rPr lang="zh-TW" altLang="en-US" smtClean="0"/>
-              <a:t>2019/12/2</a:t>
+              <a:t>2019/12/3</a:t>
             </a:fld>
             <a:endParaRPr lang="zh-TW" altLang="en-US"/>
           </a:p>
@@ -4175,7 +4175,7 @@
           <a:p>
             <a:fld id="{FBC4A1A7-476F-4A06-95B2-2BE72D9A0C6B}" type="datetimeFigureOut">
               <a:rPr lang="zh-TW" altLang="en-US" smtClean="0"/>
-              <a:t>2019/12/2</a:t>
+              <a:t>2019/12/3</a:t>
             </a:fld>
             <a:endParaRPr lang="zh-TW" altLang="en-US"/>
           </a:p>
@@ -4590,7 +4590,7 @@
           <a:p>
             <a:fld id="{FBC4A1A7-476F-4A06-95B2-2BE72D9A0C6B}" type="datetimeFigureOut">
               <a:rPr lang="zh-TW" altLang="en-US" smtClean="0"/>
-              <a:t>2019/12/2</a:t>
+              <a:t>2019/12/3</a:t>
             </a:fld>
             <a:endParaRPr lang="zh-TW" altLang="en-US"/>
           </a:p>
@@ -4738,7 +4738,7 @@
           <a:p>
             <a:fld id="{FBC4A1A7-476F-4A06-95B2-2BE72D9A0C6B}" type="datetimeFigureOut">
               <a:rPr lang="zh-TW" altLang="en-US" smtClean="0"/>
-              <a:t>2019/12/2</a:t>
+              <a:t>2019/12/3</a:t>
             </a:fld>
             <a:endParaRPr lang="zh-TW" altLang="en-US"/>
           </a:p>
@@ -4863,7 +4863,7 @@
           <a:p>
             <a:fld id="{FBC4A1A7-476F-4A06-95B2-2BE72D9A0C6B}" type="datetimeFigureOut">
               <a:rPr lang="zh-TW" altLang="en-US" smtClean="0"/>
-              <a:t>2019/12/2</a:t>
+              <a:t>2019/12/3</a:t>
             </a:fld>
             <a:endParaRPr lang="zh-TW" altLang="en-US"/>
           </a:p>
@@ -5142,7 +5142,7 @@
           <a:p>
             <a:fld id="{FBC4A1A7-476F-4A06-95B2-2BE72D9A0C6B}" type="datetimeFigureOut">
               <a:rPr lang="zh-TW" altLang="en-US" smtClean="0"/>
-              <a:t>2019/12/2</a:t>
+              <a:t>2019/12/3</a:t>
             </a:fld>
             <a:endParaRPr lang="zh-TW" altLang="en-US"/>
           </a:p>
@@ -5454,7 +5454,7 @@
           <a:p>
             <a:fld id="{FBC4A1A7-476F-4A06-95B2-2BE72D9A0C6B}" type="datetimeFigureOut">
               <a:rPr lang="zh-TW" altLang="en-US" smtClean="0"/>
-              <a:t>2019/12/2</a:t>
+              <a:t>2019/12/3</a:t>
             </a:fld>
             <a:endParaRPr lang="zh-TW" altLang="en-US"/>
           </a:p>
@@ -5707,7 +5707,7 @@
           <a:p>
             <a:fld id="{FBC4A1A7-476F-4A06-95B2-2BE72D9A0C6B}" type="datetimeFigureOut">
               <a:rPr lang="zh-TW" altLang="en-US" smtClean="0"/>
-              <a:t>2019/12/2</a:t>
+              <a:t>2019/12/3</a:t>
             </a:fld>
             <a:endParaRPr lang="zh-TW" altLang="en-US"/>
           </a:p>
@@ -6663,8 +6663,8 @@
         </p:blipFill>
         <p:spPr>
           <a:xfrm>
-            <a:off x="1745673" y="2803700"/>
-            <a:ext cx="9606443" cy="3892664"/>
+            <a:off x="1699491" y="2803700"/>
+            <a:ext cx="9652625" cy="3892664"/>
           </a:xfrm>
           <a:prstGeom prst="rect">
             <a:avLst/>
@@ -7044,7 +7044,7 @@
         <p:spPr>
           <a:xfrm>
             <a:off x="1699491" y="2803700"/>
-            <a:ext cx="9652626" cy="3892664"/>
+            <a:ext cx="9652625" cy="3892664"/>
           </a:xfrm>
           <a:prstGeom prst="rect">
             <a:avLst/>
@@ -7389,66 +7389,6 @@
               <a:latin typeface="標楷體" panose="03000509000000000000" pitchFamily="65" charset="-120"/>
               <a:ea typeface="標楷體" panose="03000509000000000000" pitchFamily="65" charset="-120"/>
             </a:endParaRPr>
-          </a:p>
-          <a:p>
-            <a:pPr lvl="1"/>
-            <a:r>
-              <a:rPr lang="zh-TW" altLang="en-US" sz="2600" dirty="0" smtClean="0">
-                <a:latin typeface="標楷體" panose="03000509000000000000" pitchFamily="65" charset="-120"/>
-                <a:ea typeface="標楷體" panose="03000509000000000000" pitchFamily="65" charset="-120"/>
-              </a:rPr>
-              <a:t>相位只會在</a:t>
-            </a:r>
-            <a:r>
-              <a:rPr lang="en-US" altLang="zh-TW" sz="2600" dirty="0" smtClean="0">
-                <a:latin typeface="標楷體" panose="03000509000000000000" pitchFamily="65" charset="-120"/>
-                <a:ea typeface="標楷體" panose="03000509000000000000" pitchFamily="65" charset="-120"/>
-              </a:rPr>
-              <a:t>-</a:t>
-            </a:r>
-            <a:r>
-              <a:rPr lang="el-GR" altLang="zh-TW" sz="2600" dirty="0" smtClean="0">
-                <a:latin typeface="標楷體" panose="03000509000000000000" pitchFamily="65" charset="-120"/>
-                <a:ea typeface="標楷體" panose="03000509000000000000" pitchFamily="65" charset="-120"/>
-              </a:rPr>
-              <a:t>Π</a:t>
-            </a:r>
-            <a:r>
-              <a:rPr lang="zh-TW" altLang="en-US" sz="2600" dirty="0" smtClean="0">
-                <a:latin typeface="標楷體" panose="03000509000000000000" pitchFamily="65" charset="-120"/>
-                <a:ea typeface="標楷體" panose="03000509000000000000" pitchFamily="65" charset="-120"/>
-              </a:rPr>
-              <a:t>跟</a:t>
-            </a:r>
-            <a:r>
-              <a:rPr lang="el-GR" altLang="zh-TW" sz="2600" dirty="0" smtClean="0">
-                <a:latin typeface="標楷體" panose="03000509000000000000" pitchFamily="65" charset="-120"/>
-                <a:ea typeface="標楷體" panose="03000509000000000000" pitchFamily="65" charset="-120"/>
-              </a:rPr>
-              <a:t>Π</a:t>
-            </a:r>
-            <a:r>
-              <a:rPr lang="zh-TW" altLang="en-US" sz="2600" dirty="0" smtClean="0">
-                <a:latin typeface="標楷體" panose="03000509000000000000" pitchFamily="65" charset="-120"/>
-                <a:ea typeface="標楷體" panose="03000509000000000000" pitchFamily="65" charset="-120"/>
-              </a:rPr>
-              <a:t>之間來回，不會超過</a:t>
-            </a:r>
-            <a:r>
-              <a:rPr lang="en-US" altLang="zh-TW" sz="2600" dirty="0" smtClean="0">
-                <a:latin typeface="標楷體" panose="03000509000000000000" pitchFamily="65" charset="-120"/>
-                <a:ea typeface="標楷體" panose="03000509000000000000" pitchFamily="65" charset="-120"/>
-              </a:rPr>
-              <a:t>2</a:t>
-            </a:r>
-            <a:r>
-              <a:rPr lang="el-GR" altLang="zh-TW" sz="2600" dirty="0">
-                <a:latin typeface="標楷體" panose="03000509000000000000" pitchFamily="65" charset="-120"/>
-                <a:ea typeface="標楷體" panose="03000509000000000000" pitchFamily="65" charset="-120"/>
-              </a:rPr>
-              <a:t>Π</a:t>
-            </a:r>
-            <a:endParaRPr lang="en-US" altLang="zh-TW" dirty="0"/>
           </a:p>
           <a:p>
             <a:pPr marL="457200" lvl="1" indent="0">
@@ -9740,8 +9680,8 @@
         </p:blipFill>
         <p:spPr>
           <a:xfrm>
-            <a:off x="1736435" y="2787803"/>
-            <a:ext cx="8950037" cy="3751541"/>
+            <a:off x="1717964" y="2787803"/>
+            <a:ext cx="9568872" cy="3751541"/>
           </a:xfrm>
           <a:prstGeom prst="rect">
             <a:avLst/>
